--- a/SPRINT 1/Presentacion asesor uno.pptx
+++ b/SPRINT 1/Presentacion asesor uno.pptx
@@ -135,6 +135,38 @@
 
 <file path=ppt/changesInfos/changesInfo1.xml><?xml version="1.0" encoding="utf-8"?>
 <pc:chgInfo xmlns:a="http://schemas.openxmlformats.org/drawingml/2006/main" xmlns:r="http://schemas.openxmlformats.org/officeDocument/2006/relationships" xmlns:ac="http://schemas.microsoft.com/office/drawing/2013/main/command" xmlns:pc="http://schemas.microsoft.com/office/powerpoint/2013/main/command">
+  <pc:docChgLst>
+    <pc:chgData name="Adelaida Molina" userId="73a9b2cc98479d66" providerId="LiveId" clId="{2F3BDEE8-1B09-4329-B241-C1265B3CF150}"/>
+    <pc:docChg chg="modSld">
+      <pc:chgData name="Adelaida Molina" userId="73a9b2cc98479d66" providerId="LiveId" clId="{2F3BDEE8-1B09-4329-B241-C1265B3CF150}" dt="2021-03-23T01:26:39.002" v="109" actId="14100"/>
+      <pc:docMkLst>
+        <pc:docMk/>
+      </pc:docMkLst>
+      <pc:sldChg chg="modSp mod">
+        <pc:chgData name="Adelaida Molina" userId="73a9b2cc98479d66" providerId="LiveId" clId="{2F3BDEE8-1B09-4329-B241-C1265B3CF150}" dt="2021-03-23T01:26:39.002" v="109" actId="14100"/>
+        <pc:sldMkLst>
+          <pc:docMk/>
+          <pc:sldMk cId="2937598698" sldId="260"/>
+        </pc:sldMkLst>
+        <pc:spChg chg="mod">
+          <ac:chgData name="Adelaida Molina" userId="73a9b2cc98479d66" providerId="LiveId" clId="{2F3BDEE8-1B09-4329-B241-C1265B3CF150}" dt="2021-03-23T01:26:31.904" v="108" actId="20577"/>
+          <ac:spMkLst>
+            <pc:docMk/>
+            <pc:sldMk cId="2937598698" sldId="260"/>
+            <ac:spMk id="4" creationId="{82D9D875-0989-4EC0-A940-D98CDADBE87C}"/>
+          </ac:spMkLst>
+        </pc:spChg>
+        <pc:picChg chg="mod">
+          <ac:chgData name="Adelaida Molina" userId="73a9b2cc98479d66" providerId="LiveId" clId="{2F3BDEE8-1B09-4329-B241-C1265B3CF150}" dt="2021-03-23T01:26:39.002" v="109" actId="14100"/>
+          <ac:picMkLst>
+            <pc:docMk/>
+            <pc:sldMk cId="2937598698" sldId="260"/>
+            <ac:picMk id="7" creationId="{D2749865-594C-4543-BF0F-67F6D1600D72}"/>
+          </ac:picMkLst>
+        </pc:picChg>
+      </pc:sldChg>
+    </pc:docChg>
+  </pc:docChgLst>
   <pc:docChgLst>
     <pc:chgData name="adelaida.molinar1997@gmail.com" userId="73a9b2cc98479d66" providerId="LiveId" clId="{2F3BDEE8-1B09-4329-B241-C1265B3CF150}"/>
     <pc:docChg chg="undo custSel addSld delSld modSld sldOrd">
@@ -978,7 +1010,7 @@
           <a:p>
             <a:fld id="{F0756DDB-0285-4862-ACCC-DF1BE98EB6DD}" type="datetimeFigureOut">
               <a:rPr lang="es-MX" smtClean="0"/>
-              <a:t>04/12/2020</a:t>
+              <a:t>22/03/2021</a:t>
             </a:fld>
             <a:endParaRPr lang="es-MX"/>
           </a:p>
@@ -1310,7 +1342,7 @@
           <a:p>
             <a:fld id="{F0756DDB-0285-4862-ACCC-DF1BE98EB6DD}" type="datetimeFigureOut">
               <a:rPr lang="es-MX" smtClean="0"/>
-              <a:t>04/12/2020</a:t>
+              <a:t>22/03/2021</a:t>
             </a:fld>
             <a:endParaRPr lang="es-MX"/>
           </a:p>
@@ -1506,7 +1538,7 @@
           <a:p>
             <a:fld id="{F0756DDB-0285-4862-ACCC-DF1BE98EB6DD}" type="datetimeFigureOut">
               <a:rPr lang="es-MX" smtClean="0"/>
-              <a:t>04/12/2020</a:t>
+              <a:t>22/03/2021</a:t>
             </a:fld>
             <a:endParaRPr lang="es-MX"/>
           </a:p>
@@ -1776,7 +1808,7 @@
           <a:p>
             <a:fld id="{F0756DDB-0285-4862-ACCC-DF1BE98EB6DD}" type="datetimeFigureOut">
               <a:rPr lang="es-MX" smtClean="0"/>
-              <a:t>04/12/2020</a:t>
+              <a:t>22/03/2021</a:t>
             </a:fld>
             <a:endParaRPr lang="es-MX"/>
           </a:p>
@@ -2204,7 +2236,7 @@
           <a:p>
             <a:fld id="{F0756DDB-0285-4862-ACCC-DF1BE98EB6DD}" type="datetimeFigureOut">
               <a:rPr lang="es-MX" smtClean="0"/>
-              <a:t>04/12/2020</a:t>
+              <a:t>22/03/2021</a:t>
             </a:fld>
             <a:endParaRPr lang="es-MX"/>
           </a:p>
@@ -2754,7 +2786,7 @@
           <a:p>
             <a:fld id="{F0756DDB-0285-4862-ACCC-DF1BE98EB6DD}" type="datetimeFigureOut">
               <a:rPr lang="es-MX" smtClean="0"/>
-              <a:t>04/12/2020</a:t>
+              <a:t>22/03/2021</a:t>
             </a:fld>
             <a:endParaRPr lang="es-MX"/>
           </a:p>
@@ -3544,7 +3576,7 @@
           <a:p>
             <a:fld id="{F0756DDB-0285-4862-ACCC-DF1BE98EB6DD}" type="datetimeFigureOut">
               <a:rPr lang="es-MX" smtClean="0"/>
-              <a:t>04/12/2020</a:t>
+              <a:t>22/03/2021</a:t>
             </a:fld>
             <a:endParaRPr lang="es-MX"/>
           </a:p>
@@ -3723,7 +3755,7 @@
           <a:p>
             <a:fld id="{F0756DDB-0285-4862-ACCC-DF1BE98EB6DD}" type="datetimeFigureOut">
               <a:rPr lang="es-MX" smtClean="0"/>
-              <a:t>04/12/2020</a:t>
+              <a:t>22/03/2021</a:t>
             </a:fld>
             <a:endParaRPr lang="es-MX"/>
           </a:p>
@@ -3907,7 +3939,7 @@
           <a:p>
             <a:fld id="{F0756DDB-0285-4862-ACCC-DF1BE98EB6DD}" type="datetimeFigureOut">
               <a:rPr lang="es-MX" smtClean="0"/>
-              <a:t>04/12/2020</a:t>
+              <a:t>22/03/2021</a:t>
             </a:fld>
             <a:endParaRPr lang="es-MX"/>
           </a:p>
@@ -4082,7 +4114,7 @@
           <a:p>
             <a:fld id="{F0756DDB-0285-4862-ACCC-DF1BE98EB6DD}" type="datetimeFigureOut">
               <a:rPr lang="es-MX" smtClean="0"/>
-              <a:t>04/12/2020</a:t>
+              <a:t>22/03/2021</a:t>
             </a:fld>
             <a:endParaRPr lang="es-MX"/>
           </a:p>
@@ -4332,7 +4364,7 @@
           <a:p>
             <a:fld id="{F0756DDB-0285-4862-ACCC-DF1BE98EB6DD}" type="datetimeFigureOut">
               <a:rPr lang="es-MX" smtClean="0"/>
-              <a:t>04/12/2020</a:t>
+              <a:t>22/03/2021</a:t>
             </a:fld>
             <a:endParaRPr lang="es-MX"/>
           </a:p>
@@ -4569,7 +4601,7 @@
           <a:p>
             <a:fld id="{F0756DDB-0285-4862-ACCC-DF1BE98EB6DD}" type="datetimeFigureOut">
               <a:rPr lang="es-MX" smtClean="0"/>
-              <a:t>04/12/2020</a:t>
+              <a:t>22/03/2021</a:t>
             </a:fld>
             <a:endParaRPr lang="es-MX"/>
           </a:p>
@@ -4954,7 +4986,7 @@
           <a:p>
             <a:fld id="{F0756DDB-0285-4862-ACCC-DF1BE98EB6DD}" type="datetimeFigureOut">
               <a:rPr lang="es-MX" smtClean="0"/>
-              <a:t>04/12/2020</a:t>
+              <a:t>22/03/2021</a:t>
             </a:fld>
             <a:endParaRPr lang="es-MX"/>
           </a:p>
@@ -5072,7 +5104,7 @@
           <a:p>
             <a:fld id="{F0756DDB-0285-4862-ACCC-DF1BE98EB6DD}" type="datetimeFigureOut">
               <a:rPr lang="es-MX" smtClean="0"/>
-              <a:t>04/12/2020</a:t>
+              <a:t>22/03/2021</a:t>
             </a:fld>
             <a:endParaRPr lang="es-MX"/>
           </a:p>
@@ -5167,7 +5199,7 @@
           <a:p>
             <a:fld id="{F0756DDB-0285-4862-ACCC-DF1BE98EB6DD}" type="datetimeFigureOut">
               <a:rPr lang="es-MX" smtClean="0"/>
-              <a:t>04/12/2020</a:t>
+              <a:t>22/03/2021</a:t>
             </a:fld>
             <a:endParaRPr lang="es-MX"/>
           </a:p>
@@ -5420,7 +5452,7 @@
           <a:p>
             <a:fld id="{F0756DDB-0285-4862-ACCC-DF1BE98EB6DD}" type="datetimeFigureOut">
               <a:rPr lang="es-MX" smtClean="0"/>
-              <a:t>04/12/2020</a:t>
+              <a:t>22/03/2021</a:t>
             </a:fld>
             <a:endParaRPr lang="es-MX"/>
           </a:p>
@@ -5689,7 +5721,7 @@
           <a:p>
             <a:fld id="{F0756DDB-0285-4862-ACCC-DF1BE98EB6DD}" type="datetimeFigureOut">
               <a:rPr lang="es-MX" smtClean="0"/>
-              <a:t>04/12/2020</a:t>
+              <a:t>22/03/2021</a:t>
             </a:fld>
             <a:endParaRPr lang="es-MX"/>
           </a:p>
@@ -6092,7 +6124,7 @@
           <a:p>
             <a:fld id="{F0756DDB-0285-4862-ACCC-DF1BE98EB6DD}" type="datetimeFigureOut">
               <a:rPr lang="es-MX" smtClean="0"/>
-              <a:t>04/12/2020</a:t>
+              <a:t>22/03/2021</a:t>
             </a:fld>
             <a:endParaRPr lang="es-MX"/>
           </a:p>
@@ -8307,6 +8339,16 @@
               <a:buChar char="•"/>
             </a:pPr>
             <a:r>
+              <a:rPr lang="es-MX" dirty="0">
+                <a:solidFill>
+                  <a:srgbClr val="1D1C1D"/>
+                </a:solidFill>
+                <a:latin typeface="Arial" panose="020B0604020202020204" pitchFamily="34" charset="0"/>
+                <a:cs typeface="Arial" panose="020B0604020202020204" pitchFamily="34" charset="0"/>
+              </a:rPr>
+              <a:t>Descontrol en el r</a:t>
+            </a:r>
+            <a:r>
               <a:rPr lang="es-MX" b="0" i="0" dirty="0">
                 <a:solidFill>
                   <a:srgbClr val="1D1C1D"/>
@@ -8315,7 +8357,7 @@
                 <a:latin typeface="Arial" panose="020B0604020202020204" pitchFamily="34" charset="0"/>
                 <a:cs typeface="Arial" panose="020B0604020202020204" pitchFamily="34" charset="0"/>
               </a:rPr>
-              <a:t>Registro manual de clientes deudores</a:t>
+              <a:t>egistro manual de clientes deudores</a:t>
             </a:r>
           </a:p>
           <a:p>
@@ -8335,7 +8377,7 @@
                 <a:latin typeface="Arial" panose="020B0604020202020204" pitchFamily="34" charset="0"/>
                 <a:cs typeface="Arial" panose="020B0604020202020204" pitchFamily="34" charset="0"/>
               </a:rPr>
-              <a:t>Productos agotados</a:t>
+              <a:t>No hay control de los productos agotados</a:t>
             </a:r>
             <a:endParaRPr lang="es-MX" dirty="0">
               <a:latin typeface="Arial" panose="020B0604020202020204" pitchFamily="34" charset="0"/>
@@ -8359,21 +8401,18 @@
                 <a:latin typeface="Arial" panose="020B0604020202020204" pitchFamily="34" charset="0"/>
                 <a:cs typeface="Arial" panose="020B0604020202020204" pitchFamily="34" charset="0"/>
               </a:rPr>
-              <a:t>Productos caducados</a:t>
-            </a:r>
-            <a:endParaRPr lang="es-MX" dirty="0">
-              <a:latin typeface="Arial" panose="020B0604020202020204" pitchFamily="34" charset="0"/>
-              <a:cs typeface="Arial" panose="020B0604020202020204" pitchFamily="34" charset="0"/>
-            </a:endParaRPr>
-          </a:p>
-          <a:p>
-            <a:pPr marL="285750" indent="-285750">
-              <a:lnSpc>
-                <a:spcPct val="150000"/>
-              </a:lnSpc>
-              <a:buFont typeface="Arial" panose="020B0604020202020204" pitchFamily="34" charset="0"/>
-              <a:buChar char="•"/>
-            </a:pPr>
+              <a:t>No hay control de los </a:t>
+            </a:r>
+            <a:r>
+              <a:rPr lang="es-MX" dirty="0">
+                <a:solidFill>
+                  <a:srgbClr val="1D1C1D"/>
+                </a:solidFill>
+                <a:latin typeface="Arial" panose="020B0604020202020204" pitchFamily="34" charset="0"/>
+                <a:cs typeface="Arial" panose="020B0604020202020204" pitchFamily="34" charset="0"/>
+              </a:rPr>
+              <a:t>p</a:t>
+            </a:r>
             <a:r>
               <a:rPr lang="es-MX" b="0" i="0" dirty="0">
                 <a:solidFill>
@@ -8383,7 +8422,31 @@
                 <a:latin typeface="Arial" panose="020B0604020202020204" pitchFamily="34" charset="0"/>
                 <a:cs typeface="Arial" panose="020B0604020202020204" pitchFamily="34" charset="0"/>
               </a:rPr>
-              <a:t>Registro manual de las compras</a:t>
+              <a:t>roductos caducados</a:t>
+            </a:r>
+            <a:endParaRPr lang="es-MX" dirty="0">
+              <a:latin typeface="Arial" panose="020B0604020202020204" pitchFamily="34" charset="0"/>
+              <a:cs typeface="Arial" panose="020B0604020202020204" pitchFamily="34" charset="0"/>
+            </a:endParaRPr>
+          </a:p>
+          <a:p>
+            <a:pPr marL="285750" indent="-285750">
+              <a:lnSpc>
+                <a:spcPct val="150000"/>
+              </a:lnSpc>
+              <a:buFont typeface="Arial" panose="020B0604020202020204" pitchFamily="34" charset="0"/>
+              <a:buChar char="•"/>
+            </a:pPr>
+            <a:r>
+              <a:rPr lang="es-MX" b="0" i="0" dirty="0">
+                <a:solidFill>
+                  <a:srgbClr val="1D1C1D"/>
+                </a:solidFill>
+                <a:effectLst/>
+                <a:latin typeface="Arial" panose="020B0604020202020204" pitchFamily="34" charset="0"/>
+                <a:cs typeface="Arial" panose="020B0604020202020204" pitchFamily="34" charset="0"/>
+              </a:rPr>
+              <a:t>Registro manual de las compras y pagos a proveedores</a:t>
             </a:r>
             <a:endParaRPr lang="es-MX" dirty="0">
               <a:latin typeface="Arial" panose="020B0604020202020204" pitchFamily="34" charset="0"/>
@@ -8478,8 +8541,8 @@
         </p:blipFill>
         <p:spPr>
           <a:xfrm>
-            <a:off x="7315199" y="1009710"/>
-            <a:ext cx="4280453" cy="2643626"/>
+            <a:off x="7415582" y="1009710"/>
+            <a:ext cx="4180070" cy="2581629"/>
           </a:xfrm>
           <a:prstGeom prst="rect">
             <a:avLst/>

--- a/SPRINT 1/Presentacion asesor uno.pptx
+++ b/SPRINT 1/Presentacion asesor uno.pptx
@@ -23,10 +23,8 @@
     <p:sldId id="271" r:id="rId17"/>
     <p:sldId id="272" r:id="rId18"/>
     <p:sldId id="273" r:id="rId19"/>
-    <p:sldId id="274" r:id="rId20"/>
-    <p:sldId id="275" r:id="rId21"/>
-    <p:sldId id="276" r:id="rId22"/>
-    <p:sldId id="277" r:id="rId23"/>
+    <p:sldId id="275" r:id="rId20"/>
+    <p:sldId id="276" r:id="rId21"/>
   </p:sldIdLst>
   <p:sldSz cx="12192000" cy="6858000"/>
   <p:notesSz cx="6858000" cy="9144000"/>
@@ -137,8 +135,8 @@
 <pc:chgInfo xmlns:a="http://schemas.openxmlformats.org/drawingml/2006/main" xmlns:r="http://schemas.openxmlformats.org/officeDocument/2006/relationships" xmlns:ac="http://schemas.microsoft.com/office/drawing/2013/main/command" xmlns:pc="http://schemas.microsoft.com/office/powerpoint/2013/main/command">
   <pc:docChgLst>
     <pc:chgData name="Adelaida Molina" userId="73a9b2cc98479d66" providerId="LiveId" clId="{2F3BDEE8-1B09-4329-B241-C1265B3CF150}"/>
-    <pc:docChg chg="modSld">
-      <pc:chgData name="Adelaida Molina" userId="73a9b2cc98479d66" providerId="LiveId" clId="{2F3BDEE8-1B09-4329-B241-C1265B3CF150}" dt="2021-03-23T01:26:39.002" v="109" actId="14100"/>
+    <pc:docChg chg="undo custSel delSld modSld">
+      <pc:chgData name="Adelaida Molina" userId="73a9b2cc98479d66" providerId="LiveId" clId="{2F3BDEE8-1B09-4329-B241-C1265B3CF150}" dt="2021-03-23T01:51:04.795" v="192" actId="2696"/>
       <pc:docMkLst>
         <pc:docMk/>
       </pc:docMkLst>
@@ -162,6 +160,259 @@
             <pc:docMk/>
             <pc:sldMk cId="2937598698" sldId="260"/>
             <ac:picMk id="7" creationId="{D2749865-594C-4543-BF0F-67F6D1600D72}"/>
+          </ac:picMkLst>
+        </pc:picChg>
+      </pc:sldChg>
+      <pc:sldChg chg="addSp delSp modSp mod">
+        <pc:chgData name="Adelaida Molina" userId="73a9b2cc98479d66" providerId="LiveId" clId="{2F3BDEE8-1B09-4329-B241-C1265B3CF150}" dt="2021-03-23T01:39:21.157" v="116" actId="14100"/>
+        <pc:sldMkLst>
+          <pc:docMk/>
+          <pc:sldMk cId="1530181946" sldId="267"/>
+        </pc:sldMkLst>
+        <pc:picChg chg="add mod modCrop">
+          <ac:chgData name="Adelaida Molina" userId="73a9b2cc98479d66" providerId="LiveId" clId="{2F3BDEE8-1B09-4329-B241-C1265B3CF150}" dt="2021-03-23T01:39:21.157" v="116" actId="14100"/>
+          <ac:picMkLst>
+            <pc:docMk/>
+            <pc:sldMk cId="1530181946" sldId="267"/>
+            <ac:picMk id="3" creationId="{BB6A4375-89FD-4035-9C5D-37730B981DE4}"/>
+          </ac:picMkLst>
+        </pc:picChg>
+        <pc:picChg chg="del mod">
+          <ac:chgData name="Adelaida Molina" userId="73a9b2cc98479d66" providerId="LiveId" clId="{2F3BDEE8-1B09-4329-B241-C1265B3CF150}" dt="2021-03-23T01:38:51.063" v="111" actId="478"/>
+          <ac:picMkLst>
+            <pc:docMk/>
+            <pc:sldMk cId="1530181946" sldId="267"/>
+            <ac:picMk id="4" creationId="{76BF9E89-7F58-45A0-BCE8-9A74F1124195}"/>
+          </ac:picMkLst>
+        </pc:picChg>
+      </pc:sldChg>
+      <pc:sldChg chg="addSp delSp modSp mod">
+        <pc:chgData name="Adelaida Molina" userId="73a9b2cc98479d66" providerId="LiveId" clId="{2F3BDEE8-1B09-4329-B241-C1265B3CF150}" dt="2021-03-23T01:42:55.947" v="131" actId="1076"/>
+        <pc:sldMkLst>
+          <pc:docMk/>
+          <pc:sldMk cId="741710652" sldId="268"/>
+        </pc:sldMkLst>
+        <pc:picChg chg="add mod modCrop">
+          <ac:chgData name="Adelaida Molina" userId="73a9b2cc98479d66" providerId="LiveId" clId="{2F3BDEE8-1B09-4329-B241-C1265B3CF150}" dt="2021-03-23T01:42:55.947" v="131" actId="1076"/>
+          <ac:picMkLst>
+            <pc:docMk/>
+            <pc:sldMk cId="741710652" sldId="268"/>
+            <ac:picMk id="3" creationId="{16965765-2579-4070-8410-F82B15228F22}"/>
+          </ac:picMkLst>
+        </pc:picChg>
+        <pc:picChg chg="del mod">
+          <ac:chgData name="Adelaida Molina" userId="73a9b2cc98479d66" providerId="LiveId" clId="{2F3BDEE8-1B09-4329-B241-C1265B3CF150}" dt="2021-03-23T01:40:32.363" v="119" actId="478"/>
+          <ac:picMkLst>
+            <pc:docMk/>
+            <pc:sldMk cId="741710652" sldId="268"/>
+            <ac:picMk id="4" creationId="{11098565-DE99-4EBF-8419-F1D4280F57A9}"/>
+          </ac:picMkLst>
+        </pc:picChg>
+      </pc:sldChg>
+      <pc:sldChg chg="addSp delSp modSp mod">
+        <pc:chgData name="Adelaida Molina" userId="73a9b2cc98479d66" providerId="LiveId" clId="{2F3BDEE8-1B09-4329-B241-C1265B3CF150}" dt="2021-03-23T01:44:22.487" v="140" actId="1076"/>
+        <pc:sldMkLst>
+          <pc:docMk/>
+          <pc:sldMk cId="654510552" sldId="269"/>
+        </pc:sldMkLst>
+        <pc:picChg chg="add mod modCrop">
+          <ac:chgData name="Adelaida Molina" userId="73a9b2cc98479d66" providerId="LiveId" clId="{2F3BDEE8-1B09-4329-B241-C1265B3CF150}" dt="2021-03-23T01:44:22.487" v="140" actId="1076"/>
+          <ac:picMkLst>
+            <pc:docMk/>
+            <pc:sldMk cId="654510552" sldId="269"/>
+            <ac:picMk id="3" creationId="{1BD6C8C1-8474-4472-B02D-4E0DD1FB692E}"/>
+          </ac:picMkLst>
+        </pc:picChg>
+        <pc:picChg chg="del mod">
+          <ac:chgData name="Adelaida Molina" userId="73a9b2cc98479d66" providerId="LiveId" clId="{2F3BDEE8-1B09-4329-B241-C1265B3CF150}" dt="2021-03-23T01:43:30.211" v="133" actId="478"/>
+          <ac:picMkLst>
+            <pc:docMk/>
+            <pc:sldMk cId="654510552" sldId="269"/>
+            <ac:picMk id="4" creationId="{AF4E029A-2F4B-44F4-96EC-BB653B332320}"/>
+          </ac:picMkLst>
+        </pc:picChg>
+      </pc:sldChg>
+      <pc:sldChg chg="addSp delSp modSp mod">
+        <pc:chgData name="Adelaida Molina" userId="73a9b2cc98479d66" providerId="LiveId" clId="{2F3BDEE8-1B09-4329-B241-C1265B3CF150}" dt="2021-03-23T01:45:35.876" v="151" actId="1076"/>
+        <pc:sldMkLst>
+          <pc:docMk/>
+          <pc:sldMk cId="1993585763" sldId="270"/>
+        </pc:sldMkLst>
+        <pc:picChg chg="del mod">
+          <ac:chgData name="Adelaida Molina" userId="73a9b2cc98479d66" providerId="LiveId" clId="{2F3BDEE8-1B09-4329-B241-C1265B3CF150}" dt="2021-03-23T01:44:30.985" v="142" actId="478"/>
+          <ac:picMkLst>
+            <pc:docMk/>
+            <pc:sldMk cId="1993585763" sldId="270"/>
+            <ac:picMk id="3" creationId="{1AF93B6D-164E-4ECC-9A30-66340FCAE6BF}"/>
+          </ac:picMkLst>
+        </pc:picChg>
+        <pc:picChg chg="add del">
+          <ac:chgData name="Adelaida Molina" userId="73a9b2cc98479d66" providerId="LiveId" clId="{2F3BDEE8-1B09-4329-B241-C1265B3CF150}" dt="2021-03-23T01:45:05.159" v="144" actId="22"/>
+          <ac:picMkLst>
+            <pc:docMk/>
+            <pc:sldMk cId="1993585763" sldId="270"/>
+            <ac:picMk id="4" creationId="{EB25CCA7-E86D-4B53-8266-46599B4FD8AA}"/>
+          </ac:picMkLst>
+        </pc:picChg>
+        <pc:picChg chg="add mod modCrop">
+          <ac:chgData name="Adelaida Molina" userId="73a9b2cc98479d66" providerId="LiveId" clId="{2F3BDEE8-1B09-4329-B241-C1265B3CF150}" dt="2021-03-23T01:45:35.876" v="151" actId="1076"/>
+          <ac:picMkLst>
+            <pc:docMk/>
+            <pc:sldMk cId="1993585763" sldId="270"/>
+            <ac:picMk id="6" creationId="{C2C42D73-35E3-49C0-8A2E-E3DA176CF92A}"/>
+          </ac:picMkLst>
+        </pc:picChg>
+      </pc:sldChg>
+      <pc:sldChg chg="addSp delSp modSp mod">
+        <pc:chgData name="Adelaida Molina" userId="73a9b2cc98479d66" providerId="LiveId" clId="{2F3BDEE8-1B09-4329-B241-C1265B3CF150}" dt="2021-03-23T01:46:43.372" v="157" actId="1076"/>
+        <pc:sldMkLst>
+          <pc:docMk/>
+          <pc:sldMk cId="2282048933" sldId="271"/>
+        </pc:sldMkLst>
+        <pc:picChg chg="del">
+          <ac:chgData name="Adelaida Molina" userId="73a9b2cc98479d66" providerId="LiveId" clId="{2F3BDEE8-1B09-4329-B241-C1265B3CF150}" dt="2021-03-23T01:46:21.167" v="152" actId="478"/>
+          <ac:picMkLst>
+            <pc:docMk/>
+            <pc:sldMk cId="2282048933" sldId="271"/>
+            <ac:picMk id="3" creationId="{20C48862-601C-4C44-BD61-D134D0DDC354}"/>
+          </ac:picMkLst>
+        </pc:picChg>
+        <pc:picChg chg="add mod modCrop">
+          <ac:chgData name="Adelaida Molina" userId="73a9b2cc98479d66" providerId="LiveId" clId="{2F3BDEE8-1B09-4329-B241-C1265B3CF150}" dt="2021-03-23T01:46:43.372" v="157" actId="1076"/>
+          <ac:picMkLst>
+            <pc:docMk/>
+            <pc:sldMk cId="2282048933" sldId="271"/>
+            <ac:picMk id="4" creationId="{7A662E92-ACA0-4250-B92B-017B01250B09}"/>
+          </ac:picMkLst>
+        </pc:picChg>
+      </pc:sldChg>
+      <pc:sldChg chg="addSp delSp modSp mod">
+        <pc:chgData name="Adelaida Molina" userId="73a9b2cc98479d66" providerId="LiveId" clId="{2F3BDEE8-1B09-4329-B241-C1265B3CF150}" dt="2021-03-23T01:47:34.063" v="164" actId="1076"/>
+        <pc:sldMkLst>
+          <pc:docMk/>
+          <pc:sldMk cId="2494222858" sldId="272"/>
+        </pc:sldMkLst>
+        <pc:picChg chg="del mod">
+          <ac:chgData name="Adelaida Molina" userId="73a9b2cc98479d66" providerId="LiveId" clId="{2F3BDEE8-1B09-4329-B241-C1265B3CF150}" dt="2021-03-23T01:46:48.141" v="159" actId="478"/>
+          <ac:picMkLst>
+            <pc:docMk/>
+            <pc:sldMk cId="2494222858" sldId="272"/>
+            <ac:picMk id="3" creationId="{8737555C-B281-41FF-9C34-55909F1D0649}"/>
+          </ac:picMkLst>
+        </pc:picChg>
+        <pc:picChg chg="add mod modCrop">
+          <ac:chgData name="Adelaida Molina" userId="73a9b2cc98479d66" providerId="LiveId" clId="{2F3BDEE8-1B09-4329-B241-C1265B3CF150}" dt="2021-03-23T01:47:34.063" v="164" actId="1076"/>
+          <ac:picMkLst>
+            <pc:docMk/>
+            <pc:sldMk cId="2494222858" sldId="272"/>
+            <ac:picMk id="4" creationId="{B32B3F3B-486A-4C36-AA9B-54D0CEF29A39}"/>
+          </ac:picMkLst>
+        </pc:picChg>
+      </pc:sldChg>
+      <pc:sldChg chg="addSp delSp modSp mod">
+        <pc:chgData name="Adelaida Molina" userId="73a9b2cc98479d66" providerId="LiveId" clId="{2F3BDEE8-1B09-4329-B241-C1265B3CF150}" dt="2021-03-23T01:48:17.634" v="170" actId="1076"/>
+        <pc:sldMkLst>
+          <pc:docMk/>
+          <pc:sldMk cId="366198715" sldId="273"/>
+        </pc:sldMkLst>
+        <pc:picChg chg="del">
+          <ac:chgData name="Adelaida Molina" userId="73a9b2cc98479d66" providerId="LiveId" clId="{2F3BDEE8-1B09-4329-B241-C1265B3CF150}" dt="2021-03-23T01:47:45.050" v="165" actId="478"/>
+          <ac:picMkLst>
+            <pc:docMk/>
+            <pc:sldMk cId="366198715" sldId="273"/>
+            <ac:picMk id="3" creationId="{9FD4A0B6-654E-4CD8-9C26-3CBD191973CA}"/>
+          </ac:picMkLst>
+        </pc:picChg>
+        <pc:picChg chg="add mod modCrop">
+          <ac:chgData name="Adelaida Molina" userId="73a9b2cc98479d66" providerId="LiveId" clId="{2F3BDEE8-1B09-4329-B241-C1265B3CF150}" dt="2021-03-23T01:48:17.634" v="170" actId="1076"/>
+          <ac:picMkLst>
+            <pc:docMk/>
+            <pc:sldMk cId="366198715" sldId="273"/>
+            <ac:picMk id="4" creationId="{EFEF25CC-0830-4A06-8EC7-CAF9E6690B26}"/>
+          </ac:picMkLst>
+        </pc:picChg>
+      </pc:sldChg>
+      <pc:sldChg chg="delSp del mod">
+        <pc:chgData name="Adelaida Molina" userId="73a9b2cc98479d66" providerId="LiveId" clId="{2F3BDEE8-1B09-4329-B241-C1265B3CF150}" dt="2021-03-23T01:49:20.689" v="178" actId="2696"/>
+        <pc:sldMkLst>
+          <pc:docMk/>
+          <pc:sldMk cId="619610887" sldId="274"/>
+        </pc:sldMkLst>
+        <pc:picChg chg="del">
+          <ac:chgData name="Adelaida Molina" userId="73a9b2cc98479d66" providerId="LiveId" clId="{2F3BDEE8-1B09-4329-B241-C1265B3CF150}" dt="2021-03-23T01:48:29.084" v="171" actId="478"/>
+          <ac:picMkLst>
+            <pc:docMk/>
+            <pc:sldMk cId="619610887" sldId="274"/>
+            <ac:picMk id="3" creationId="{26168F69-A13E-4A74-B31C-82BED37B1FB9}"/>
+          </ac:picMkLst>
+        </pc:picChg>
+      </pc:sldChg>
+      <pc:sldChg chg="addSp delSp modSp mod">
+        <pc:chgData name="Adelaida Molina" userId="73a9b2cc98479d66" providerId="LiveId" clId="{2F3BDEE8-1B09-4329-B241-C1265B3CF150}" dt="2021-03-23T01:49:11.658" v="177" actId="1076"/>
+        <pc:sldMkLst>
+          <pc:docMk/>
+          <pc:sldMk cId="2856937639" sldId="275"/>
+        </pc:sldMkLst>
+        <pc:picChg chg="del mod">
+          <ac:chgData name="Adelaida Molina" userId="73a9b2cc98479d66" providerId="LiveId" clId="{2F3BDEE8-1B09-4329-B241-C1265B3CF150}" dt="2021-03-23T01:48:44.375" v="173" actId="478"/>
+          <ac:picMkLst>
+            <pc:docMk/>
+            <pc:sldMk cId="2856937639" sldId="275"/>
+            <ac:picMk id="3" creationId="{71D0A0C4-031B-46BD-AB0F-C1C649E1323A}"/>
+          </ac:picMkLst>
+        </pc:picChg>
+        <pc:picChg chg="add mod modCrop">
+          <ac:chgData name="Adelaida Molina" userId="73a9b2cc98479d66" providerId="LiveId" clId="{2F3BDEE8-1B09-4329-B241-C1265B3CF150}" dt="2021-03-23T01:49:11.658" v="177" actId="1076"/>
+          <ac:picMkLst>
+            <pc:docMk/>
+            <pc:sldMk cId="2856937639" sldId="275"/>
+            <ac:picMk id="4" creationId="{3A508EB6-BE10-4396-A151-7E81B88688B9}"/>
+          </ac:picMkLst>
+        </pc:picChg>
+      </pc:sldChg>
+      <pc:sldChg chg="addSp delSp modSp mod">
+        <pc:chgData name="Adelaida Molina" userId="73a9b2cc98479d66" providerId="LiveId" clId="{2F3BDEE8-1B09-4329-B241-C1265B3CF150}" dt="2021-03-23T01:50:58.738" v="191" actId="14100"/>
+        <pc:sldMkLst>
+          <pc:docMk/>
+          <pc:sldMk cId="2112606122" sldId="276"/>
+        </pc:sldMkLst>
+        <pc:picChg chg="del">
+          <ac:chgData name="Adelaida Molina" userId="73a9b2cc98479d66" providerId="LiveId" clId="{2F3BDEE8-1B09-4329-B241-C1265B3CF150}" dt="2021-03-23T01:49:25.676" v="179" actId="478"/>
+          <ac:picMkLst>
+            <pc:docMk/>
+            <pc:sldMk cId="2112606122" sldId="276"/>
+            <ac:picMk id="3" creationId="{16A39960-4DA9-4ED4-8DE8-D605F81C4AFC}"/>
+          </ac:picMkLst>
+        </pc:picChg>
+        <pc:picChg chg="add del mod modCrop">
+          <ac:chgData name="Adelaida Molina" userId="73a9b2cc98479d66" providerId="LiveId" clId="{2F3BDEE8-1B09-4329-B241-C1265B3CF150}" dt="2021-03-23T01:50:39.413" v="186" actId="478"/>
+          <ac:picMkLst>
+            <pc:docMk/>
+            <pc:sldMk cId="2112606122" sldId="276"/>
+            <ac:picMk id="4" creationId="{6888BF80-3B4C-4DB5-8BA3-F3788312A1B0}"/>
+          </ac:picMkLst>
+        </pc:picChg>
+        <pc:picChg chg="add mod modCrop">
+          <ac:chgData name="Adelaida Molina" userId="73a9b2cc98479d66" providerId="LiveId" clId="{2F3BDEE8-1B09-4329-B241-C1265B3CF150}" dt="2021-03-23T01:50:58.738" v="191" actId="14100"/>
+          <ac:picMkLst>
+            <pc:docMk/>
+            <pc:sldMk cId="2112606122" sldId="276"/>
+            <ac:picMk id="6" creationId="{D15B3F35-27A3-4BA4-A4BB-A71DE9BCF26C}"/>
+          </ac:picMkLst>
+        </pc:picChg>
+      </pc:sldChg>
+      <pc:sldChg chg="delSp del mod">
+        <pc:chgData name="Adelaida Molina" userId="73a9b2cc98479d66" providerId="LiveId" clId="{2F3BDEE8-1B09-4329-B241-C1265B3CF150}" dt="2021-03-23T01:51:04.795" v="192" actId="2696"/>
+        <pc:sldMkLst>
+          <pc:docMk/>
+          <pc:sldMk cId="1328951758" sldId="277"/>
+        </pc:sldMkLst>
+        <pc:picChg chg="del">
+          <ac:chgData name="Adelaida Molina" userId="73a9b2cc98479d66" providerId="LiveId" clId="{2F3BDEE8-1B09-4329-B241-C1265B3CF150}" dt="2021-03-23T01:50:13.248" v="184" actId="478"/>
+          <ac:picMkLst>
+            <pc:docMk/>
+            <pc:sldMk cId="1328951758" sldId="277"/>
+            <ac:picMk id="3" creationId="{0FA8837F-1058-46C9-B04F-2B32A0546891}"/>
           </ac:picMkLst>
         </pc:picChg>
       </pc:sldChg>
@@ -7127,10 +7378,10 @@
       </p:grpSpPr>
       <p:pic>
         <p:nvPicPr>
-          <p:cNvPr id="4" name="Imagen 3">
+          <p:cNvPr id="3" name="Imagen 2">
             <a:extLst>
               <a:ext uri="{FF2B5EF4-FFF2-40B4-BE49-F238E27FC236}">
-                <a16:creationId xmlns:a16="http://schemas.microsoft.com/office/drawing/2014/main" id="{76BF9E89-7F58-45A0-BCE8-9A74F1124195}"/>
+                <a16:creationId xmlns:a16="http://schemas.microsoft.com/office/drawing/2014/main" id="{BB6A4375-89FD-4035-9C5D-37730B981DE4}"/>
               </a:ext>
             </a:extLst>
           </p:cNvPr>
@@ -7139,22 +7390,15 @@
           </p:cNvPicPr>
           <p:nvPr/>
         </p:nvPicPr>
-        <p:blipFill>
-          <a:blip r:embed="rId2">
-            <a:extLst>
-              <a:ext uri="{28A0092B-C50C-407E-A947-70E740481C1C}">
-                <a14:useLocalDpi xmlns:a14="http://schemas.microsoft.com/office/drawing/2010/main" val="0"/>
-              </a:ext>
-            </a:extLst>
-          </a:blip>
-          <a:stretch>
-            <a:fillRect/>
-          </a:stretch>
+        <p:blipFill rotWithShape="1">
+          <a:blip r:embed="rId2"/>
+          <a:srcRect l="19384" t="12598" r="18539" b="17037"/>
+          <a:stretch/>
         </p:blipFill>
         <p:spPr>
           <a:xfrm>
-            <a:off x="1802295" y="112312"/>
-            <a:ext cx="8946873" cy="5368124"/>
+            <a:off x="1734612" y="618978"/>
+            <a:ext cx="8197180" cy="4951828"/>
           </a:xfrm>
           <a:prstGeom prst="rect">
             <a:avLst/>
@@ -7193,10 +7437,10 @@
       </p:grpSpPr>
       <p:pic>
         <p:nvPicPr>
-          <p:cNvPr id="4" name="Imagen 3">
+          <p:cNvPr id="3" name="Imagen 2">
             <a:extLst>
               <a:ext uri="{FF2B5EF4-FFF2-40B4-BE49-F238E27FC236}">
-                <a16:creationId xmlns:a16="http://schemas.microsoft.com/office/drawing/2014/main" id="{11098565-DE99-4EBF-8419-F1D4280F57A9}"/>
+                <a16:creationId xmlns:a16="http://schemas.microsoft.com/office/drawing/2014/main" id="{16965765-2579-4070-8410-F82B15228F22}"/>
               </a:ext>
             </a:extLst>
           </p:cNvPr>
@@ -7205,22 +7449,15 @@
           </p:cNvPicPr>
           <p:nvPr/>
         </p:nvPicPr>
-        <p:blipFill>
-          <a:blip r:embed="rId2">
-            <a:extLst>
-              <a:ext uri="{28A0092B-C50C-407E-A947-70E740481C1C}">
-                <a14:useLocalDpi xmlns:a14="http://schemas.microsoft.com/office/drawing/2010/main" val="0"/>
-              </a:ext>
-            </a:extLst>
-          </a:blip>
-          <a:stretch>
-            <a:fillRect/>
-          </a:stretch>
+        <p:blipFill rotWithShape="1">
+          <a:blip r:embed="rId2"/>
+          <a:srcRect l="1500" t="9784"/>
+          <a:stretch/>
         </p:blipFill>
         <p:spPr>
           <a:xfrm>
-            <a:off x="1413565" y="0"/>
-            <a:ext cx="9364870" cy="5618922"/>
+            <a:off x="556591" y="0"/>
+            <a:ext cx="10522634" cy="5136311"/>
           </a:xfrm>
           <a:prstGeom prst="rect">
             <a:avLst/>
@@ -7259,10 +7496,10 @@
       </p:grpSpPr>
       <p:pic>
         <p:nvPicPr>
-          <p:cNvPr id="4" name="Imagen 3">
+          <p:cNvPr id="3" name="Imagen 2">
             <a:extLst>
               <a:ext uri="{FF2B5EF4-FFF2-40B4-BE49-F238E27FC236}">
-                <a16:creationId xmlns:a16="http://schemas.microsoft.com/office/drawing/2014/main" id="{AF4E029A-2F4B-44F4-96EC-BB653B332320}"/>
+                <a16:creationId xmlns:a16="http://schemas.microsoft.com/office/drawing/2014/main" id="{1BD6C8C1-8474-4472-B02D-4E0DD1FB692E}"/>
               </a:ext>
             </a:extLst>
           </p:cNvPr>
@@ -7271,22 +7508,15 @@
           </p:cNvPicPr>
           <p:nvPr/>
         </p:nvPicPr>
-        <p:blipFill>
-          <a:blip r:embed="rId2">
-            <a:extLst>
-              <a:ext uri="{28A0092B-C50C-407E-A947-70E740481C1C}">
-                <a14:useLocalDpi xmlns:a14="http://schemas.microsoft.com/office/drawing/2010/main" val="0"/>
-              </a:ext>
-            </a:extLst>
-          </a:blip>
-          <a:stretch>
-            <a:fillRect/>
-          </a:stretch>
+        <p:blipFill rotWithShape="1">
+          <a:blip r:embed="rId2"/>
+          <a:srcRect l="1039" t="10314"/>
+          <a:stretch/>
         </p:blipFill>
         <p:spPr>
           <a:xfrm>
-            <a:off x="1402521" y="0"/>
-            <a:ext cx="9386957" cy="5632174"/>
+            <a:off x="436098" y="0"/>
+            <a:ext cx="10863961" cy="5247249"/>
           </a:xfrm>
           <a:prstGeom prst="rect">
             <a:avLst/>
@@ -7325,10 +7555,10 @@
       </p:grpSpPr>
       <p:pic>
         <p:nvPicPr>
-          <p:cNvPr id="3" name="Imagen 2">
+          <p:cNvPr id="6" name="Imagen 5">
             <a:extLst>
               <a:ext uri="{FF2B5EF4-FFF2-40B4-BE49-F238E27FC236}">
-                <a16:creationId xmlns:a16="http://schemas.microsoft.com/office/drawing/2014/main" id="{1AF93B6D-164E-4ECC-9A30-66340FCAE6BF}"/>
+                <a16:creationId xmlns:a16="http://schemas.microsoft.com/office/drawing/2014/main" id="{C2C42D73-35E3-49C0-8A2E-E3DA176CF92A}"/>
               </a:ext>
             </a:extLst>
           </p:cNvPr>
@@ -7337,22 +7567,15 @@
           </p:cNvPicPr>
           <p:nvPr/>
         </p:nvPicPr>
-        <p:blipFill>
-          <a:blip r:embed="rId2">
-            <a:extLst>
-              <a:ext uri="{28A0092B-C50C-407E-A947-70E740481C1C}">
-                <a14:useLocalDpi xmlns:a14="http://schemas.microsoft.com/office/drawing/2010/main" val="0"/>
-              </a:ext>
-            </a:extLst>
-          </a:blip>
-          <a:stretch>
-            <a:fillRect/>
-          </a:stretch>
+        <p:blipFill rotWithShape="1">
+          <a:blip r:embed="rId2"/>
+          <a:srcRect t="9568" r="1115"/>
+          <a:stretch/>
         </p:blipFill>
         <p:spPr>
           <a:xfrm>
-            <a:off x="1435394" y="0"/>
-            <a:ext cx="9321211" cy="5592726"/>
+            <a:off x="248529" y="0"/>
+            <a:ext cx="11256728" cy="5486400"/>
           </a:xfrm>
           <a:prstGeom prst="rect">
             <a:avLst/>
@@ -7391,10 +7614,10 @@
       </p:grpSpPr>
       <p:pic>
         <p:nvPicPr>
-          <p:cNvPr id="3" name="Imagen 2">
+          <p:cNvPr id="4" name="Imagen 3">
             <a:extLst>
               <a:ext uri="{FF2B5EF4-FFF2-40B4-BE49-F238E27FC236}">
-                <a16:creationId xmlns:a16="http://schemas.microsoft.com/office/drawing/2014/main" id="{20C48862-601C-4C44-BD61-D134D0DDC354}"/>
+                <a16:creationId xmlns:a16="http://schemas.microsoft.com/office/drawing/2014/main" id="{7A662E92-ACA0-4250-B92B-017B01250B09}"/>
               </a:ext>
             </a:extLst>
           </p:cNvPr>
@@ -7403,22 +7626,15 @@
           </p:cNvPicPr>
           <p:nvPr/>
         </p:nvPicPr>
-        <p:blipFill>
-          <a:blip r:embed="rId2">
-            <a:extLst>
-              <a:ext uri="{28A0092B-C50C-407E-A947-70E740481C1C}">
-                <a14:useLocalDpi xmlns:a14="http://schemas.microsoft.com/office/drawing/2010/main" val="0"/>
-              </a:ext>
-            </a:extLst>
-          </a:blip>
-          <a:stretch>
-            <a:fillRect/>
-          </a:stretch>
+        <p:blipFill rotWithShape="1">
+          <a:blip r:embed="rId2"/>
+          <a:srcRect t="9784"/>
+          <a:stretch/>
         </p:blipFill>
         <p:spPr>
           <a:xfrm>
-            <a:off x="1453116" y="0"/>
-            <a:ext cx="9285767" cy="5571460"/>
+            <a:off x="379828" y="0"/>
+            <a:ext cx="11015003" cy="5295996"/>
           </a:xfrm>
           <a:prstGeom prst="rect">
             <a:avLst/>
@@ -7457,10 +7673,10 @@
       </p:grpSpPr>
       <p:pic>
         <p:nvPicPr>
-          <p:cNvPr id="3" name="Imagen 2">
+          <p:cNvPr id="4" name="Imagen 3">
             <a:extLst>
               <a:ext uri="{FF2B5EF4-FFF2-40B4-BE49-F238E27FC236}">
-                <a16:creationId xmlns:a16="http://schemas.microsoft.com/office/drawing/2014/main" id="{8737555C-B281-41FF-9C34-55909F1D0649}"/>
+                <a16:creationId xmlns:a16="http://schemas.microsoft.com/office/drawing/2014/main" id="{B32B3F3B-486A-4C36-AA9B-54D0CEF29A39}"/>
               </a:ext>
             </a:extLst>
           </p:cNvPr>
@@ -7469,22 +7685,15 @@
           </p:cNvPicPr>
           <p:nvPr/>
         </p:nvPicPr>
-        <p:blipFill>
-          <a:blip r:embed="rId2">
-            <a:extLst>
-              <a:ext uri="{28A0092B-C50C-407E-A947-70E740481C1C}">
-                <a14:useLocalDpi xmlns:a14="http://schemas.microsoft.com/office/drawing/2010/main" val="0"/>
-              </a:ext>
-            </a:extLst>
-          </a:blip>
-          <a:stretch>
-            <a:fillRect/>
-          </a:stretch>
+        <p:blipFill rotWithShape="1">
+          <a:blip r:embed="rId2"/>
+          <a:srcRect t="9351"/>
+          <a:stretch/>
         </p:blipFill>
         <p:spPr>
           <a:xfrm>
-            <a:off x="1417674" y="0"/>
-            <a:ext cx="9356652" cy="5613991"/>
+            <a:off x="590843" y="0"/>
+            <a:ext cx="10649243" cy="5144714"/>
           </a:xfrm>
           <a:prstGeom prst="rect">
             <a:avLst/>
@@ -7523,10 +7732,10 @@
       </p:grpSpPr>
       <p:pic>
         <p:nvPicPr>
-          <p:cNvPr id="3" name="Imagen 2">
+          <p:cNvPr id="4" name="Imagen 3">
             <a:extLst>
               <a:ext uri="{FF2B5EF4-FFF2-40B4-BE49-F238E27FC236}">
-                <a16:creationId xmlns:a16="http://schemas.microsoft.com/office/drawing/2014/main" id="{9FD4A0B6-654E-4CD8-9C26-3CBD191973CA}"/>
+                <a16:creationId xmlns:a16="http://schemas.microsoft.com/office/drawing/2014/main" id="{EFEF25CC-0830-4A06-8EC7-CAF9E6690B26}"/>
               </a:ext>
             </a:extLst>
           </p:cNvPr>
@@ -7535,22 +7744,15 @@
           </p:cNvPicPr>
           <p:nvPr/>
         </p:nvPicPr>
-        <p:blipFill>
-          <a:blip r:embed="rId2">
-            <a:extLst>
-              <a:ext uri="{28A0092B-C50C-407E-A947-70E740481C1C}">
-                <a14:useLocalDpi xmlns:a14="http://schemas.microsoft.com/office/drawing/2010/main" val="0"/>
-              </a:ext>
-            </a:extLst>
-          </a:blip>
-          <a:stretch>
-            <a:fillRect/>
-          </a:stretch>
+        <p:blipFill rotWithShape="1">
+          <a:blip r:embed="rId2"/>
+          <a:srcRect l="807" t="9568"/>
+          <a:stretch/>
         </p:blipFill>
         <p:spPr>
           <a:xfrm>
-            <a:off x="1435395" y="0"/>
-            <a:ext cx="9321210" cy="5592726"/>
+            <a:off x="281354" y="0"/>
+            <a:ext cx="10874326" cy="5283581"/>
           </a:xfrm>
           <a:prstGeom prst="rect">
             <a:avLst/>
@@ -7589,10 +7791,10 @@
       </p:grpSpPr>
       <p:pic>
         <p:nvPicPr>
-          <p:cNvPr id="3" name="Imagen 2">
+          <p:cNvPr id="4" name="Imagen 3">
             <a:extLst>
               <a:ext uri="{FF2B5EF4-FFF2-40B4-BE49-F238E27FC236}">
-                <a16:creationId xmlns:a16="http://schemas.microsoft.com/office/drawing/2014/main" id="{26168F69-A13E-4A74-B31C-82BED37B1FB9}"/>
+                <a16:creationId xmlns:a16="http://schemas.microsoft.com/office/drawing/2014/main" id="{3A508EB6-BE10-4396-A151-7E81B88688B9}"/>
               </a:ext>
             </a:extLst>
           </p:cNvPr>
@@ -7601,22 +7803,15 @@
           </p:cNvPicPr>
           <p:nvPr/>
         </p:nvPicPr>
-        <p:blipFill>
-          <a:blip r:embed="rId2">
-            <a:extLst>
-              <a:ext uri="{28A0092B-C50C-407E-A947-70E740481C1C}">
-                <a14:useLocalDpi xmlns:a14="http://schemas.microsoft.com/office/drawing/2010/main" val="0"/>
-              </a:ext>
-            </a:extLst>
-          </a:blip>
-          <a:stretch>
-            <a:fillRect/>
-          </a:stretch>
+        <p:blipFill rotWithShape="1">
+          <a:blip r:embed="rId2"/>
+          <a:srcRect l="923" t="9568"/>
+          <a:stretch/>
         </p:blipFill>
         <p:spPr>
           <a:xfrm>
-            <a:off x="1417674" y="0"/>
-            <a:ext cx="9356652" cy="5613991"/>
+            <a:off x="534573" y="0"/>
+            <a:ext cx="10550769" cy="5132343"/>
           </a:xfrm>
           <a:prstGeom prst="rect">
             <a:avLst/>
@@ -7626,7 +7821,7 @@
     </p:spTree>
     <p:extLst>
       <p:ext uri="{BB962C8B-B14F-4D97-AF65-F5344CB8AC3E}">
-        <p14:creationId xmlns:p14="http://schemas.microsoft.com/office/powerpoint/2010/main" val="619610887"/>
+        <p14:creationId xmlns:p14="http://schemas.microsoft.com/office/powerpoint/2010/main" val="2856937639"/>
       </p:ext>
     </p:extLst>
   </p:cSld>
@@ -8049,10 +8244,10 @@
       </p:grpSpPr>
       <p:pic>
         <p:nvPicPr>
-          <p:cNvPr id="3" name="Imagen 2">
+          <p:cNvPr id="6" name="Imagen 5">
             <a:extLst>
               <a:ext uri="{FF2B5EF4-FFF2-40B4-BE49-F238E27FC236}">
-                <a16:creationId xmlns:a16="http://schemas.microsoft.com/office/drawing/2014/main" id="{71D0A0C4-031B-46BD-AB0F-C1C649E1323A}"/>
+                <a16:creationId xmlns:a16="http://schemas.microsoft.com/office/drawing/2014/main" id="{D15B3F35-27A3-4BA4-A4BB-A71DE9BCF26C}"/>
               </a:ext>
             </a:extLst>
           </p:cNvPr>
@@ -8061,88 +8256,15 @@
           </p:cNvPicPr>
           <p:nvPr/>
         </p:nvPicPr>
-        <p:blipFill>
-          <a:blip r:embed="rId2">
-            <a:extLst>
-              <a:ext uri="{28A0092B-C50C-407E-A947-70E740481C1C}">
-                <a14:useLocalDpi xmlns:a14="http://schemas.microsoft.com/office/drawing/2010/main" val="0"/>
-              </a:ext>
-            </a:extLst>
-          </a:blip>
-          <a:stretch>
-            <a:fillRect/>
-          </a:stretch>
+        <p:blipFill rotWithShape="1">
+          <a:blip r:embed="rId2"/>
+          <a:srcRect t="9568"/>
+          <a:stretch/>
         </p:blipFill>
         <p:spPr>
           <a:xfrm>
-            <a:off x="1435395" y="0"/>
-            <a:ext cx="9321210" cy="5592726"/>
-          </a:xfrm>
-          <a:prstGeom prst="rect">
-            <a:avLst/>
-          </a:prstGeom>
-        </p:spPr>
-      </p:pic>
-    </p:spTree>
-    <p:extLst>
-      <p:ext uri="{BB962C8B-B14F-4D97-AF65-F5344CB8AC3E}">
-        <p14:creationId xmlns:p14="http://schemas.microsoft.com/office/powerpoint/2010/main" val="2856937639"/>
-      </p:ext>
-    </p:extLst>
-  </p:cSld>
-  <p:clrMapOvr>
-    <a:masterClrMapping/>
-  </p:clrMapOvr>
-</p:sld>
-</file>
-
-<file path=ppt/slides/slide21.xml><?xml version="1.0" encoding="utf-8"?>
-<p:sld xmlns:a="http://schemas.openxmlformats.org/drawingml/2006/main" xmlns:r="http://schemas.openxmlformats.org/officeDocument/2006/relationships" xmlns:p="http://schemas.openxmlformats.org/presentationml/2006/main">
-  <p:cSld>
-    <p:spTree>
-      <p:nvGrpSpPr>
-        <p:cNvPr id="1" name=""/>
-        <p:cNvGrpSpPr/>
-        <p:nvPr/>
-      </p:nvGrpSpPr>
-      <p:grpSpPr>
-        <a:xfrm>
-          <a:off x="0" y="0"/>
-          <a:ext cx="0" cy="0"/>
-          <a:chOff x="0" y="0"/>
-          <a:chExt cx="0" cy="0"/>
-        </a:xfrm>
-      </p:grpSpPr>
-      <p:pic>
-        <p:nvPicPr>
-          <p:cNvPr id="3" name="Imagen 2">
-            <a:extLst>
-              <a:ext uri="{FF2B5EF4-FFF2-40B4-BE49-F238E27FC236}">
-                <a16:creationId xmlns:a16="http://schemas.microsoft.com/office/drawing/2014/main" id="{16A39960-4DA9-4ED4-8DE8-D605F81C4AFC}"/>
-              </a:ext>
-            </a:extLst>
-          </p:cNvPr>
-          <p:cNvPicPr>
-            <a:picLocks noChangeAspect="1"/>
-          </p:cNvPicPr>
-          <p:nvPr/>
-        </p:nvPicPr>
-        <p:blipFill>
-          <a:blip r:embed="rId2">
-            <a:extLst>
-              <a:ext uri="{28A0092B-C50C-407E-A947-70E740481C1C}">
-                <a14:useLocalDpi xmlns:a14="http://schemas.microsoft.com/office/drawing/2010/main" val="0"/>
-              </a:ext>
-            </a:extLst>
-          </a:blip>
-          <a:stretch>
-            <a:fillRect/>
-          </a:stretch>
-        </p:blipFill>
-        <p:spPr>
-          <a:xfrm>
-            <a:off x="1726683" y="0"/>
-            <a:ext cx="8738634" cy="5592726"/>
+            <a:off x="717453" y="0"/>
+            <a:ext cx="10391275" cy="5008098"/>
           </a:xfrm>
           <a:prstGeom prst="rect">
             <a:avLst/>
@@ -8153,72 +8275,6 @@
     <p:extLst>
       <p:ext uri="{BB962C8B-B14F-4D97-AF65-F5344CB8AC3E}">
         <p14:creationId xmlns:p14="http://schemas.microsoft.com/office/powerpoint/2010/main" val="2112606122"/>
-      </p:ext>
-    </p:extLst>
-  </p:cSld>
-  <p:clrMapOvr>
-    <a:masterClrMapping/>
-  </p:clrMapOvr>
-</p:sld>
-</file>
-
-<file path=ppt/slides/slide22.xml><?xml version="1.0" encoding="utf-8"?>
-<p:sld xmlns:a="http://schemas.openxmlformats.org/drawingml/2006/main" xmlns:r="http://schemas.openxmlformats.org/officeDocument/2006/relationships" xmlns:p="http://schemas.openxmlformats.org/presentationml/2006/main">
-  <p:cSld>
-    <p:spTree>
-      <p:nvGrpSpPr>
-        <p:cNvPr id="1" name=""/>
-        <p:cNvGrpSpPr/>
-        <p:nvPr/>
-      </p:nvGrpSpPr>
-      <p:grpSpPr>
-        <a:xfrm>
-          <a:off x="0" y="0"/>
-          <a:ext cx="0" cy="0"/>
-          <a:chOff x="0" y="0"/>
-          <a:chExt cx="0" cy="0"/>
-        </a:xfrm>
-      </p:grpSpPr>
-      <p:pic>
-        <p:nvPicPr>
-          <p:cNvPr id="3" name="Imagen 2">
-            <a:extLst>
-              <a:ext uri="{FF2B5EF4-FFF2-40B4-BE49-F238E27FC236}">
-                <a16:creationId xmlns:a16="http://schemas.microsoft.com/office/drawing/2014/main" id="{0FA8837F-1058-46C9-B04F-2B32A0546891}"/>
-              </a:ext>
-            </a:extLst>
-          </p:cNvPr>
-          <p:cNvPicPr>
-            <a:picLocks noChangeAspect="1"/>
-          </p:cNvPicPr>
-          <p:nvPr/>
-        </p:nvPicPr>
-        <p:blipFill>
-          <a:blip r:embed="rId2">
-            <a:extLst>
-              <a:ext uri="{28A0092B-C50C-407E-A947-70E740481C1C}">
-                <a14:useLocalDpi xmlns:a14="http://schemas.microsoft.com/office/drawing/2010/main" val="0"/>
-              </a:ext>
-            </a:extLst>
-          </a:blip>
-          <a:stretch>
-            <a:fillRect/>
-          </a:stretch>
-        </p:blipFill>
-        <p:spPr>
-          <a:xfrm>
-            <a:off x="1726683" y="0"/>
-            <a:ext cx="8738634" cy="5592726"/>
-          </a:xfrm>
-          <a:prstGeom prst="rect">
-            <a:avLst/>
-          </a:prstGeom>
-        </p:spPr>
-      </p:pic>
-    </p:spTree>
-    <p:extLst>
-      <p:ext uri="{BB962C8B-B14F-4D97-AF65-F5344CB8AC3E}">
-        <p14:creationId xmlns:p14="http://schemas.microsoft.com/office/powerpoint/2010/main" val="1328951758"/>
       </p:ext>
     </p:extLst>
   </p:cSld>
